--- a/Final Project Presentation.pptx
+++ b/Final Project Presentation.pptx
@@ -113,6 +113,11 @@
       </a:defRPr>
     </a:lvl9pPr>
   </p:defaultTextStyle>
+  <p:extLst>
+    <p:ext uri="{EFAFB233-063F-42B5-8137-9DF3F51BA10A}">
+      <p15:sldGuideLst xmlns:p15="http://schemas.microsoft.com/office/powerpoint/2012/main"/>
+    </p:ext>
+  </p:extLst>
 </p:presentation>
 </file>
 
@@ -286,7 +291,7 @@
             <a:fld id="{87DE6118-2437-4B30-8E3C-4D2BE6020583}" type="datetimeFigureOut">
               <a:rPr lang="en-US" dirty="0"/>
               <a:pPr/>
-              <a:t>5/28/21</a:t>
+              <a:t>5/31/2021</a:t>
             </a:fld>
             <a:endParaRPr lang="en-US" dirty="0"/>
           </a:p>
@@ -612,7 +617,7 @@
           <a:p>
             <a:fld id="{87DE6118-2437-4B30-8E3C-4D2BE6020583}" type="datetimeFigureOut">
               <a:rPr lang="en-US" dirty="0"/>
-              <a:t>5/28/21</a:t>
+              <a:t>5/31/2021</a:t>
             </a:fld>
             <a:endParaRPr lang="en-US" dirty="0"/>
           </a:p>
@@ -787,7 +792,7 @@
           <a:p>
             <a:fld id="{87DE6118-2437-4B30-8E3C-4D2BE6020583}" type="datetimeFigureOut">
               <a:rPr lang="en-US" dirty="0"/>
-              <a:t>5/28/21</a:t>
+              <a:t>5/31/2021</a:t>
             </a:fld>
             <a:endParaRPr lang="en-US" dirty="0"/>
           </a:p>
@@ -952,7 +957,7 @@
           <a:p>
             <a:fld id="{87DE6118-2437-4B30-8E3C-4D2BE6020583}" type="datetimeFigureOut">
               <a:rPr lang="en-US" dirty="0"/>
-              <a:t>5/28/21</a:t>
+              <a:t>5/31/2021</a:t>
             </a:fld>
             <a:endParaRPr lang="en-US" dirty="0"/>
           </a:p>
@@ -1225,7 +1230,7 @@
             <a:fld id="{87DE6118-2437-4B30-8E3C-4D2BE6020583}" type="datetimeFigureOut">
               <a:rPr lang="en-US" dirty="0"/>
               <a:pPr/>
-              <a:t>5/28/21</a:t>
+              <a:t>5/31/2021</a:t>
             </a:fld>
             <a:endParaRPr lang="en-US" dirty="0"/>
           </a:p>
@@ -1615,7 +1620,7 @@
           <a:p>
             <a:fld id="{87DE6118-2437-4B30-8E3C-4D2BE6020583}" type="datetimeFigureOut">
               <a:rPr lang="en-US" dirty="0"/>
-              <a:t>5/28/21</a:t>
+              <a:t>5/31/2021</a:t>
             </a:fld>
             <a:endParaRPr lang="en-US" dirty="0"/>
           </a:p>
@@ -2087,7 +2092,7 @@
           <a:p>
             <a:fld id="{87DE6118-2437-4B30-8E3C-4D2BE6020583}" type="datetimeFigureOut">
               <a:rPr lang="en-US" dirty="0"/>
-              <a:t>5/28/21</a:t>
+              <a:t>5/31/2021</a:t>
             </a:fld>
             <a:endParaRPr lang="en-US" dirty="0"/>
           </a:p>
@@ -2200,7 +2205,7 @@
           <a:p>
             <a:fld id="{87DE6118-2437-4B30-8E3C-4D2BE6020583}" type="datetimeFigureOut">
               <a:rPr lang="en-US" dirty="0"/>
-              <a:t>5/28/21</a:t>
+              <a:t>5/31/2021</a:t>
             </a:fld>
             <a:endParaRPr lang="en-US" dirty="0"/>
           </a:p>
@@ -2290,7 +2295,7 @@
           <a:p>
             <a:fld id="{87DE6118-2437-4B30-8E3C-4D2BE6020583}" type="datetimeFigureOut">
               <a:rPr lang="en-US" dirty="0"/>
-              <a:t>5/28/21</a:t>
+              <a:t>5/31/2021</a:t>
             </a:fld>
             <a:endParaRPr lang="en-US" dirty="0"/>
           </a:p>
@@ -2632,7 +2637,7 @@
             <a:fld id="{87DE6118-2437-4B30-8E3C-4D2BE6020583}" type="datetimeFigureOut">
               <a:rPr lang="en-US" dirty="0"/>
               <a:pPr/>
-              <a:t>5/28/21</a:t>
+              <a:t>5/31/2021</a:t>
             </a:fld>
             <a:endParaRPr lang="en-US" dirty="0"/>
           </a:p>
@@ -3017,7 +3022,7 @@
             <a:fld id="{87DE6118-2437-4B30-8E3C-4D2BE6020583}" type="datetimeFigureOut">
               <a:rPr lang="en-US" dirty="0"/>
               <a:pPr/>
-              <a:t>5/28/21</a:t>
+              <a:t>5/31/2021</a:t>
             </a:fld>
             <a:endParaRPr lang="en-US" dirty="0"/>
           </a:p>
@@ -3292,7 +3297,7 @@
             <a:fld id="{87DE6118-2437-4B30-8E3C-4D2BE6020583}" type="datetimeFigureOut">
               <a:rPr lang="en-US" dirty="0"/>
               <a:pPr/>
-              <a:t>5/28/21</a:t>
+              <a:t>5/31/2021</a:t>
             </a:fld>
             <a:endParaRPr lang="en-US" dirty="0"/>
           </a:p>
@@ -4431,10 +4436,104 @@
         </p:nvSpPr>
         <p:spPr/>
         <p:txBody>
-          <a:bodyPr/>
+          <a:bodyPr>
+            <a:normAutofit/>
+          </a:bodyPr>
           <a:lstStyle/>
           <a:p>
-            <a:endParaRPr lang="en-US"/>
+            <a:r>
+              <a:rPr lang="en-AU" sz="2400" b="1" i="0" dirty="0">
+                <a:solidFill>
+                  <a:srgbClr val="24292E"/>
+                </a:solidFill>
+                <a:effectLst/>
+                <a:latin typeface="-apple-system"/>
+              </a:rPr>
+              <a:t>LiDAR &amp; </a:t>
+            </a:r>
+            <a:r>
+              <a:rPr lang="en-AU" sz="2400" b="1" i="0" dirty="0" err="1">
+                <a:solidFill>
+                  <a:srgbClr val="24292E"/>
+                </a:solidFill>
+                <a:effectLst/>
+                <a:latin typeface="-apple-system"/>
+              </a:rPr>
+              <a:t>Servometer</a:t>
+            </a:r>
+            <a:r>
+              <a:rPr lang="en-AU" sz="2400" b="1" i="0" dirty="0">
+                <a:solidFill>
+                  <a:srgbClr val="24292E"/>
+                </a:solidFill>
+                <a:effectLst/>
+                <a:latin typeface="-apple-system"/>
+              </a:rPr>
+              <a:t> Operation</a:t>
+            </a:r>
+          </a:p>
+          <a:p>
+            <a:endParaRPr lang="en-AU" sz="2400" b="1" i="0" dirty="0">
+              <a:solidFill>
+                <a:srgbClr val="24292E"/>
+              </a:solidFill>
+              <a:effectLst/>
+              <a:latin typeface="-apple-system"/>
+            </a:endParaRPr>
+          </a:p>
+          <a:p>
+            <a:r>
+              <a:rPr lang="en-AU" sz="2400" b="1" i="0" dirty="0">
+                <a:solidFill>
+                  <a:srgbClr val="24292E"/>
+                </a:solidFill>
+                <a:effectLst/>
+                <a:latin typeface="-apple-system"/>
+              </a:rPr>
+              <a:t>Orientation of PTU Module during scans</a:t>
+            </a:r>
+          </a:p>
+          <a:p>
+            <a:endParaRPr lang="en-AU" sz="2400" b="1" i="0" dirty="0">
+              <a:solidFill>
+                <a:srgbClr val="24292E"/>
+              </a:solidFill>
+              <a:effectLst/>
+              <a:latin typeface="-apple-system"/>
+            </a:endParaRPr>
+          </a:p>
+          <a:p>
+            <a:r>
+              <a:rPr lang="en-AU" sz="2400" b="1" i="0" dirty="0">
+                <a:solidFill>
+                  <a:srgbClr val="24292E"/>
+                </a:solidFill>
+                <a:effectLst/>
+                <a:latin typeface="-apple-system"/>
+              </a:rPr>
+              <a:t>Serialisation of Output Data</a:t>
+            </a:r>
+          </a:p>
+          <a:p>
+            <a:endParaRPr lang="en-AU" sz="2400" b="1" i="0" dirty="0">
+              <a:solidFill>
+                <a:srgbClr val="24292E"/>
+              </a:solidFill>
+              <a:effectLst/>
+              <a:latin typeface="-apple-system"/>
+            </a:endParaRPr>
+          </a:p>
+          <a:p>
+            <a:r>
+              <a:rPr lang="en-AU" sz="2400" b="1" i="0" dirty="0">
+                <a:solidFill>
+                  <a:srgbClr val="24292E"/>
+                </a:solidFill>
+                <a:effectLst/>
+                <a:latin typeface="-apple-system"/>
+              </a:rPr>
+              <a:t>Display of Data as a Python Image</a:t>
+            </a:r>
           </a:p>
         </p:txBody>
       </p:sp>
@@ -4522,10 +4621,161 @@
         </p:nvSpPr>
         <p:spPr/>
         <p:txBody>
-          <a:bodyPr/>
+          <a:bodyPr>
+            <a:normAutofit fontScale="92500" lnSpcReduction="20000"/>
+          </a:bodyPr>
           <a:lstStyle/>
           <a:p>
-            <a:endParaRPr lang="en-US"/>
+            <a:pPr algn="l"/>
+            <a:r>
+              <a:rPr lang="en-AU" b="0" i="0" dirty="0" err="1">
+                <a:solidFill>
+                  <a:srgbClr val="24292E"/>
+                </a:solidFill>
+                <a:effectLst/>
+                <a:latin typeface="-apple-system"/>
+              </a:rPr>
+              <a:t>Servometer</a:t>
+            </a:r>
+            <a:r>
+              <a:rPr lang="en-AU" b="0" i="0" dirty="0">
+                <a:solidFill>
+                  <a:srgbClr val="24292E"/>
+                </a:solidFill>
+                <a:effectLst/>
+                <a:latin typeface="-apple-system"/>
+              </a:rPr>
+              <a:t> operation is controlled by sending a 20 </a:t>
+            </a:r>
+            <a:r>
+              <a:rPr lang="en-AU" b="0" i="0" dirty="0" err="1">
+                <a:solidFill>
+                  <a:srgbClr val="24292E"/>
+                </a:solidFill>
+                <a:effectLst/>
+                <a:latin typeface="-apple-system"/>
+              </a:rPr>
+              <a:t>ms</a:t>
+            </a:r>
+            <a:r>
+              <a:rPr lang="en-AU" b="0" i="0" dirty="0">
+                <a:solidFill>
+                  <a:srgbClr val="24292E"/>
+                </a:solidFill>
+                <a:effectLst/>
+                <a:latin typeface="-apple-system"/>
+              </a:rPr>
+              <a:t> PWM signal to pins 5 &amp; 7 of Port T. The sub-functions '</a:t>
+            </a:r>
+            <a:r>
+              <a:rPr lang="en-AU" b="0" i="0" dirty="0" err="1">
+                <a:solidFill>
+                  <a:srgbClr val="24292E"/>
+                </a:solidFill>
+                <a:effectLst/>
+                <a:latin typeface="-apple-system"/>
+              </a:rPr>
+              <a:t>horizontalShift</a:t>
+            </a:r>
+            <a:r>
+              <a:rPr lang="en-AU" b="0" i="0" dirty="0">
+                <a:solidFill>
+                  <a:srgbClr val="24292E"/>
+                </a:solidFill>
+                <a:effectLst/>
+                <a:latin typeface="-apple-system"/>
+              </a:rPr>
+              <a:t>' and '</a:t>
+            </a:r>
+            <a:r>
+              <a:rPr lang="en-AU" b="0" i="0" dirty="0" err="1">
+                <a:solidFill>
+                  <a:srgbClr val="24292E"/>
+                </a:solidFill>
+                <a:effectLst/>
+                <a:latin typeface="-apple-system"/>
+              </a:rPr>
+              <a:t>verticalShift</a:t>
+            </a:r>
+            <a:r>
+              <a:rPr lang="en-AU" b="0" i="0" dirty="0">
+                <a:solidFill>
+                  <a:srgbClr val="24292E"/>
+                </a:solidFill>
+                <a:effectLst/>
+                <a:latin typeface="-apple-system"/>
+              </a:rPr>
+              <a:t>' control these actions by taking the position as an angular position, in degrees, which is then converted into a duty cycle ON period that can replicate the angle in the servomotor.</a:t>
+            </a:r>
+          </a:p>
+          <a:p>
+            <a:pPr algn="l"/>
+            <a:r>
+              <a:rPr lang="en-AU" b="0" i="0" dirty="0">
+                <a:solidFill>
+                  <a:srgbClr val="24292E"/>
+                </a:solidFill>
+                <a:effectLst/>
+                <a:latin typeface="-apple-system"/>
+              </a:rPr>
+              <a:t>LiDAR operation is controlled by utilising the timer input counter. The pulse width of the LiDAR signal is counted after the trigger signal is sent via PHO. The pulse width is then converted to a length value that is returned and stored in the output.</a:t>
+            </a:r>
+          </a:p>
+          <a:p>
+            <a:pPr algn="l"/>
+            <a:r>
+              <a:rPr lang="en-AU" b="0" i="0" dirty="0">
+                <a:solidFill>
+                  <a:srgbClr val="24292E"/>
+                </a:solidFill>
+                <a:effectLst/>
+                <a:latin typeface="-apple-system"/>
+              </a:rPr>
+              <a:t>Both the LiDAR and Servomotor are operated in the main body of the </a:t>
+            </a:r>
+            <a:r>
+              <a:rPr lang="en-AU" b="0" i="0" dirty="0" err="1">
+                <a:solidFill>
+                  <a:srgbClr val="24292E"/>
+                </a:solidFill>
+                <a:effectLst/>
+                <a:latin typeface="-apple-system"/>
+              </a:rPr>
+              <a:t>scanRoom</a:t>
+            </a:r>
+            <a:r>
+              <a:rPr lang="en-AU" b="0" i="0" dirty="0">
+                <a:solidFill>
+                  <a:srgbClr val="24292E"/>
+                </a:solidFill>
+                <a:effectLst/>
+                <a:latin typeface="-apple-system"/>
+              </a:rPr>
+              <a:t> function inside a nested loop, the nested loop works to create a square-matrix of positions to move the servo through as data points. The (</a:t>
+            </a:r>
+            <a:r>
+              <a:rPr lang="en-AU" b="0" i="0" dirty="0" err="1">
+                <a:solidFill>
+                  <a:srgbClr val="24292E"/>
+                </a:solidFill>
+                <a:effectLst/>
+                <a:latin typeface="-apple-system"/>
+              </a:rPr>
+              <a:t>x,y</a:t>
+            </a:r>
+            <a:r>
+              <a:rPr lang="en-AU" b="0" i="0" dirty="0">
+                <a:solidFill>
+                  <a:srgbClr val="24292E"/>
+                </a:solidFill>
+                <a:effectLst/>
+                <a:latin typeface="-apple-system"/>
+              </a:rPr>
+              <a:t>) positions are converted to angles and then used as inputs to the servo position functions, the LiDAR distance value is then taken at each position and stored in a matrix to be returned to the main function. Prior to each position, the orientation module is called to check that the PTU position has not changed to ensure a consistent scan is completed while being held by the user.</a:t>
+            </a:r>
+          </a:p>
+          <a:p>
+            <a:endParaRPr lang="en-US" dirty="0"/>
           </a:p>
         </p:txBody>
       </p:sp>
@@ -4605,10 +4855,91 @@
         </p:nvSpPr>
         <p:spPr/>
         <p:txBody>
-          <a:bodyPr/>
+          <a:bodyPr>
+            <a:normAutofit fontScale="92500" lnSpcReduction="20000"/>
+          </a:bodyPr>
           <a:lstStyle/>
           <a:p>
-            <a:endParaRPr lang="en-US"/>
+            <a:pPr algn="l"/>
+            <a:r>
+              <a:rPr lang="en-AU" b="0" i="0" dirty="0">
+                <a:solidFill>
+                  <a:srgbClr val="24292E"/>
+                </a:solidFill>
+                <a:effectLst/>
+                <a:latin typeface="-apple-system"/>
+              </a:rPr>
+              <a:t>The Orientation of the PTU Module is done by initialising the IIC sensor. The main component of the IIC sensor that will be used is the accelerometer, which will be converted into the primary components: Pitch and Roll.</a:t>
+            </a:r>
+          </a:p>
+          <a:p>
+            <a:pPr algn="l"/>
+            <a:r>
+              <a:rPr lang="en-AU" b="0" i="0" dirty="0">
+                <a:solidFill>
+                  <a:srgbClr val="24292E"/>
+                </a:solidFill>
+                <a:effectLst/>
+                <a:latin typeface="-apple-system"/>
+              </a:rPr>
+              <a:t>The Orientation module is incorporated in the </a:t>
+            </a:r>
+            <a:r>
+              <a:rPr lang="en-AU" b="0" i="0" dirty="0" err="1">
+                <a:solidFill>
+                  <a:srgbClr val="24292E"/>
+                </a:solidFill>
+                <a:effectLst/>
+                <a:latin typeface="-apple-system"/>
+              </a:rPr>
+              <a:t>checkOrientation</a:t>
+            </a:r>
+            <a:r>
+              <a:rPr lang="en-AU" b="0" i="0" dirty="0">
+                <a:solidFill>
+                  <a:srgbClr val="24292E"/>
+                </a:solidFill>
+                <a:effectLst/>
+                <a:latin typeface="-apple-system"/>
+              </a:rPr>
+              <a:t> function, which takes in the current x and y angles of the Lidar Servos. It then sets the minimum and maximum angles that the Lidar sensor can stay in range before the Lidar Sensor loop stops and pauses. The function then goes into a loop in which it reads the accelerometer reading, and then calculates the Pitch and Roll using appropriate equations. It then checks if the angle is within the range of +-10 degrees. If it is then it exits the loop and returns back to the main function.</a:t>
+            </a:r>
+          </a:p>
+          <a:p>
+            <a:pPr algn="l"/>
+            <a:r>
+              <a:rPr lang="en-AU" b="0" i="0" dirty="0">
+                <a:solidFill>
+                  <a:srgbClr val="24292E"/>
+                </a:solidFill>
+                <a:effectLst/>
+                <a:latin typeface="-apple-system"/>
+              </a:rPr>
+              <a:t>The </a:t>
+            </a:r>
+            <a:r>
+              <a:rPr lang="en-AU" b="0" i="0" dirty="0" err="1">
+                <a:solidFill>
+                  <a:srgbClr val="24292E"/>
+                </a:solidFill>
+                <a:effectLst/>
+                <a:latin typeface="-apple-system"/>
+              </a:rPr>
+              <a:t>checkOrientation</a:t>
+            </a:r>
+            <a:r>
+              <a:rPr lang="en-AU" b="0" i="0" dirty="0">
+                <a:solidFill>
+                  <a:srgbClr val="24292E"/>
+                </a:solidFill>
+                <a:effectLst/>
+                <a:latin typeface="-apple-system"/>
+              </a:rPr>
+              <a:t> function is called after every servo movement of the Lidar sensor. This allows a moderately accurate check for orientation when taken into account with the speed of the main function loop.</a:t>
+            </a:r>
+          </a:p>
+          <a:p>
+            <a:endParaRPr lang="en-US" dirty="0"/>
           </a:p>
         </p:txBody>
       </p:sp>
@@ -4690,12 +5021,169 @@
             <p:ph idx="1"/>
           </p:nvPr>
         </p:nvSpPr>
-        <p:spPr/>
-        <p:txBody>
-          <a:bodyPr/>
+        <p:spPr>
+          <a:xfrm>
+            <a:off x="1371600" y="2286000"/>
+            <a:ext cx="9601200" cy="4039386"/>
+          </a:xfrm>
+        </p:spPr>
+        <p:txBody>
+          <a:bodyPr>
+            <a:normAutofit fontScale="85000" lnSpcReduction="10000"/>
+          </a:bodyPr>
           <a:lstStyle/>
           <a:p>
-            <a:endParaRPr lang="en-US"/>
+            <a:pPr algn="l"/>
+            <a:r>
+              <a:rPr lang="en-AU" b="0" i="0" dirty="0">
+                <a:solidFill>
+                  <a:srgbClr val="24292E"/>
+                </a:solidFill>
+                <a:effectLst/>
+                <a:latin typeface="-apple-system"/>
+              </a:rPr>
+              <a:t>One scan of a room involves positioning PTU at chosen 64 different positions by adjusting horizontal and vertical angles. At each of these points, lidar sensor gives a distance measurement. 64 of these points is used to create a 8x8 matrix to give a spatial representation of the room. The </a:t>
+            </a:r>
+            <a:r>
+              <a:rPr lang="en-AU" b="0" i="0" dirty="0" err="1">
+                <a:solidFill>
+                  <a:srgbClr val="24292E"/>
+                </a:solidFill>
+                <a:effectLst/>
+                <a:latin typeface="-apple-system"/>
+              </a:rPr>
+              <a:t>scanRoom</a:t>
+            </a:r>
+            <a:r>
+              <a:rPr lang="en-AU" b="0" i="0" dirty="0">
+                <a:solidFill>
+                  <a:srgbClr val="24292E"/>
+                </a:solidFill>
+                <a:effectLst/>
+                <a:latin typeface="-apple-system"/>
+              </a:rPr>
+              <a:t>() function creates one scan of the room as described, during the scan each data point is sent via serial port in this format:</a:t>
+            </a:r>
+            <a:br>
+              <a:rPr lang="en-AU" b="0" i="0" dirty="0">
+                <a:solidFill>
+                  <a:srgbClr val="24292E"/>
+                </a:solidFill>
+                <a:effectLst/>
+                <a:latin typeface="-apple-system"/>
+              </a:rPr>
+            </a:br>
+            <a:br>
+              <a:rPr lang="en-AU" b="0" i="0" dirty="0">
+                <a:solidFill>
+                  <a:srgbClr val="24292E"/>
+                </a:solidFill>
+                <a:effectLst/>
+                <a:latin typeface="-apple-system"/>
+              </a:rPr>
+            </a:br>
+            <a:r>
+              <a:rPr lang="en-AU" b="0" i="0" dirty="0">
+                <a:solidFill>
+                  <a:srgbClr val="24292E"/>
+                </a:solidFill>
+                <a:effectLst/>
+                <a:latin typeface="-apple-system"/>
+              </a:rPr>
+              <a:t>A|B||C|D|||</a:t>
+            </a:r>
+            <a:br>
+              <a:rPr lang="en-AU" b="0" i="0" dirty="0">
+                <a:solidFill>
+                  <a:srgbClr val="24292E"/>
+                </a:solidFill>
+                <a:effectLst/>
+                <a:latin typeface="-apple-system"/>
+              </a:rPr>
+            </a:br>
+            <a:br>
+              <a:rPr lang="en-AU" b="0" i="0" dirty="0">
+                <a:solidFill>
+                  <a:srgbClr val="24292E"/>
+                </a:solidFill>
+                <a:effectLst/>
+                <a:latin typeface="-apple-system"/>
+              </a:rPr>
+            </a:br>
+            <a:r>
+              <a:rPr lang="en-AU" b="0" i="0" dirty="0">
+                <a:solidFill>
+                  <a:srgbClr val="24292E"/>
+                </a:solidFill>
+                <a:effectLst/>
+                <a:latin typeface="-apple-system"/>
+              </a:rPr>
+              <a:t>A,B,C,D represent floating point numbers representing distance measurement from lidar sensor. A singular pipe symbol (|) is used to separate the numerical values, two pipe symbols in a row indicate new row in matrix, and finally three pipes in a row indicate end of transmission for this particular scan. The above serial data represents matrix:</a:t>
+            </a:r>
+            <a:br>
+              <a:rPr lang="en-AU" b="0" i="0" dirty="0">
+                <a:solidFill>
+                  <a:srgbClr val="24292E"/>
+                </a:solidFill>
+                <a:effectLst/>
+                <a:latin typeface="-apple-system"/>
+              </a:rPr>
+            </a:br>
+            <a:br>
+              <a:rPr lang="en-AU" b="0" i="0" dirty="0">
+                <a:solidFill>
+                  <a:srgbClr val="24292E"/>
+                </a:solidFill>
+                <a:effectLst/>
+                <a:latin typeface="-apple-system"/>
+              </a:rPr>
+            </a:br>
+            <a:r>
+              <a:rPr lang="en-AU" b="0" i="0" dirty="0">
+                <a:solidFill>
+                  <a:srgbClr val="24292E"/>
+                </a:solidFill>
+                <a:effectLst/>
+                <a:latin typeface="-apple-system"/>
+              </a:rPr>
+              <a:t>[[A,B],[C,D]]</a:t>
+            </a:r>
+          </a:p>
+          <a:p>
+            <a:pPr algn="l"/>
+            <a:r>
+              <a:rPr lang="en-AU" b="0" i="0" dirty="0">
+                <a:solidFill>
+                  <a:srgbClr val="24292E"/>
+                </a:solidFill>
+                <a:effectLst/>
+                <a:latin typeface="-apple-system"/>
+              </a:rPr>
+              <a:t>This format for serial data transmission was to allow flexibility in code for different resolutions and aspect rations of the spatial scan of room, not just an 8x8 grid. The serial data is sent over via SCI1 port. </a:t>
+            </a:r>
+            <a:r>
+              <a:rPr lang="en-AU" b="0" i="0" dirty="0" err="1">
+                <a:solidFill>
+                  <a:srgbClr val="24292E"/>
+                </a:solidFill>
+                <a:effectLst/>
+                <a:latin typeface="-apple-system"/>
+              </a:rPr>
+              <a:t>scanRoom</a:t>
+            </a:r>
+            <a:r>
+              <a:rPr lang="en-AU" b="0" i="0" dirty="0">
+                <a:solidFill>
+                  <a:srgbClr val="24292E"/>
+                </a:solidFill>
+                <a:effectLst/>
+                <a:latin typeface="-apple-system"/>
+              </a:rPr>
+              <a:t>() function is continually called to create continuous scan of room.</a:t>
+            </a:r>
+          </a:p>
+          <a:p>
+            <a:endParaRPr lang="en-US" dirty="0"/>
           </a:p>
         </p:txBody>
       </p:sp>
@@ -4778,7 +5266,33 @@
           <a:bodyPr/>
           <a:lstStyle/>
           <a:p>
-            <a:endParaRPr lang="en-US"/>
+            <a:pPr algn="l"/>
+            <a:r>
+              <a:rPr lang="en-AU" b="0" i="0" dirty="0">
+                <a:solidFill>
+                  <a:srgbClr val="24292E"/>
+                </a:solidFill>
+                <a:effectLst/>
+                <a:latin typeface="-apple-system"/>
+              </a:rPr>
+              <a:t>In this part, the scan image of the room will be present as a 8x8 heatmap (64 pixel). The degree of heat will be shown by grey. Each pixel of the image represents the distance between the Lidar to the obstacles (usually the wall). So that the heatmap can shows the image of a rough room outline drawing.</a:t>
+            </a:r>
+          </a:p>
+          <a:p>
+            <a:pPr algn="l"/>
+            <a:r>
+              <a:rPr lang="en-AU" b="0" i="0" dirty="0">
+                <a:solidFill>
+                  <a:srgbClr val="24292E"/>
+                </a:solidFill>
+                <a:effectLst/>
+                <a:latin typeface="-apple-system"/>
+              </a:rPr>
+              <a:t>Using a infinite loop in the plot model. When the data received from the serial port is keeping changing, which means the machine is scanning the code continuously, the hap shown by python will also follows that.</a:t>
+            </a:r>
+          </a:p>
+          <a:p>
+            <a:endParaRPr lang="en-US" dirty="0"/>
           </a:p>
         </p:txBody>
       </p:sp>

--- a/Final Project Presentation.pptx
+++ b/Final Project Presentation.pptx
@@ -4459,17 +4459,27 @@
                 <a:effectLst/>
                 <a:latin typeface="-apple-system"/>
               </a:rPr>
-              <a:t>Servometer</a:t>
-            </a:r>
-            <a:r>
-              <a:rPr lang="en-AU" sz="2400" b="1" i="0" dirty="0">
+              <a:t>Servom</a:t>
+            </a:r>
+            <a:r>
+              <a:rPr lang="en-US" altLang="zh-CN" sz="2400" b="1" i="0" dirty="0">
                 <a:solidFill>
                   <a:srgbClr val="24292E"/>
                 </a:solidFill>
                 <a:effectLst/>
                 <a:latin typeface="-apple-system"/>
               </a:rPr>
-              <a:t> Operation</a:t>
+              <a:t>o</a:t>
+            </a:r>
+            <a:r>
+              <a:rPr lang="en-AU" sz="2400" b="1" i="0" dirty="0">
+                <a:solidFill>
+                  <a:srgbClr val="24292E"/>
+                </a:solidFill>
+                <a:effectLst/>
+                <a:latin typeface="-apple-system"/>
+              </a:rPr>
+              <a:t>tor Operation</a:t>
             </a:r>
           </a:p>
           <a:p>
@@ -4590,15 +4600,7 @@
           <a:p>
             <a:r>
               <a:rPr lang="en-US" dirty="0"/>
-              <a:t>LiDAR &amp; </a:t>
-            </a:r>
-            <a:r>
-              <a:rPr lang="en-US" dirty="0" err="1"/>
-              <a:t>Servometer</a:t>
-            </a:r>
-            <a:r>
-              <a:rPr lang="en-US" dirty="0"/>
-              <a:t> Operation</a:t>
+              <a:t>LiDAR &amp; Servomotor Operation</a:t>
             </a:r>
           </a:p>
         </p:txBody>
@@ -4628,14 +4630,14 @@
           <a:p>
             <a:pPr algn="l"/>
             <a:r>
-              <a:rPr lang="en-AU" b="0" i="0" dirty="0" err="1">
+              <a:rPr lang="en-AU" b="0" i="0">
                 <a:solidFill>
                   <a:srgbClr val="24292E"/>
                 </a:solidFill>
                 <a:effectLst/>
                 <a:latin typeface="-apple-system"/>
               </a:rPr>
-              <a:t>Servometer</a:t>
+              <a:t>Servomotor </a:t>
             </a:r>
             <a:r>
               <a:rPr lang="en-AU" b="0" i="0" dirty="0">
@@ -4645,7 +4647,7 @@
                 <a:effectLst/>
                 <a:latin typeface="-apple-system"/>
               </a:rPr>
-              <a:t> operation is controlled by sending a 20 </a:t>
+              <a:t>operation is controlled by sending a 20 </a:t>
             </a:r>
             <a:r>
               <a:rPr lang="en-AU" b="0" i="0" dirty="0" err="1">

--- a/Final Project Presentation.pptx
+++ b/Final Project Presentation.pptx
@@ -14,7 +14,9 @@
     <p:sldId id="262" r:id="rId8"/>
     <p:sldId id="263" r:id="rId9"/>
     <p:sldId id="264" r:id="rId10"/>
-    <p:sldId id="265" r:id="rId11"/>
+    <p:sldId id="266" r:id="rId11"/>
+    <p:sldId id="267" r:id="rId12"/>
+    <p:sldId id="265" r:id="rId13"/>
   </p:sldIdLst>
   <p:sldSz cx="12192000" cy="6858000"/>
   <p:notesSz cx="6858000" cy="9144000"/>
@@ -291,7 +293,7 @@
             <a:fld id="{87DE6118-2437-4B30-8E3C-4D2BE6020583}" type="datetimeFigureOut">
               <a:rPr lang="en-US" dirty="0"/>
               <a:pPr/>
-              <a:t>5/31/2021</a:t>
+              <a:t>6/1/21</a:t>
             </a:fld>
             <a:endParaRPr lang="en-US" dirty="0"/>
           </a:p>
@@ -617,7 +619,7 @@
           <a:p>
             <a:fld id="{87DE6118-2437-4B30-8E3C-4D2BE6020583}" type="datetimeFigureOut">
               <a:rPr lang="en-US" dirty="0"/>
-              <a:t>5/31/2021</a:t>
+              <a:t>6/1/21</a:t>
             </a:fld>
             <a:endParaRPr lang="en-US" dirty="0"/>
           </a:p>
@@ -792,7 +794,7 @@
           <a:p>
             <a:fld id="{87DE6118-2437-4B30-8E3C-4D2BE6020583}" type="datetimeFigureOut">
               <a:rPr lang="en-US" dirty="0"/>
-              <a:t>5/31/2021</a:t>
+              <a:t>6/1/21</a:t>
             </a:fld>
             <a:endParaRPr lang="en-US" dirty="0"/>
           </a:p>
@@ -957,7 +959,7 @@
           <a:p>
             <a:fld id="{87DE6118-2437-4B30-8E3C-4D2BE6020583}" type="datetimeFigureOut">
               <a:rPr lang="en-US" dirty="0"/>
-              <a:t>5/31/2021</a:t>
+              <a:t>6/1/21</a:t>
             </a:fld>
             <a:endParaRPr lang="en-US" dirty="0"/>
           </a:p>
@@ -1230,7 +1232,7 @@
             <a:fld id="{87DE6118-2437-4B30-8E3C-4D2BE6020583}" type="datetimeFigureOut">
               <a:rPr lang="en-US" dirty="0"/>
               <a:pPr/>
-              <a:t>5/31/2021</a:t>
+              <a:t>6/1/21</a:t>
             </a:fld>
             <a:endParaRPr lang="en-US" dirty="0"/>
           </a:p>
@@ -1620,7 +1622,7 @@
           <a:p>
             <a:fld id="{87DE6118-2437-4B30-8E3C-4D2BE6020583}" type="datetimeFigureOut">
               <a:rPr lang="en-US" dirty="0"/>
-              <a:t>5/31/2021</a:t>
+              <a:t>6/1/21</a:t>
             </a:fld>
             <a:endParaRPr lang="en-US" dirty="0"/>
           </a:p>
@@ -2092,7 +2094,7 @@
           <a:p>
             <a:fld id="{87DE6118-2437-4B30-8E3C-4D2BE6020583}" type="datetimeFigureOut">
               <a:rPr lang="en-US" dirty="0"/>
-              <a:t>5/31/2021</a:t>
+              <a:t>6/1/21</a:t>
             </a:fld>
             <a:endParaRPr lang="en-US" dirty="0"/>
           </a:p>
@@ -2205,7 +2207,7 @@
           <a:p>
             <a:fld id="{87DE6118-2437-4B30-8E3C-4D2BE6020583}" type="datetimeFigureOut">
               <a:rPr lang="en-US" dirty="0"/>
-              <a:t>5/31/2021</a:t>
+              <a:t>6/1/21</a:t>
             </a:fld>
             <a:endParaRPr lang="en-US" dirty="0"/>
           </a:p>
@@ -2295,7 +2297,7 @@
           <a:p>
             <a:fld id="{87DE6118-2437-4B30-8E3C-4D2BE6020583}" type="datetimeFigureOut">
               <a:rPr lang="en-US" dirty="0"/>
-              <a:t>5/31/2021</a:t>
+              <a:t>6/1/21</a:t>
             </a:fld>
             <a:endParaRPr lang="en-US" dirty="0"/>
           </a:p>
@@ -2637,7 +2639,7 @@
             <a:fld id="{87DE6118-2437-4B30-8E3C-4D2BE6020583}" type="datetimeFigureOut">
               <a:rPr lang="en-US" dirty="0"/>
               <a:pPr/>
-              <a:t>5/31/2021</a:t>
+              <a:t>6/1/21</a:t>
             </a:fld>
             <a:endParaRPr lang="en-US" dirty="0"/>
           </a:p>
@@ -3022,7 +3024,7 @@
             <a:fld id="{87DE6118-2437-4B30-8E3C-4D2BE6020583}" type="datetimeFigureOut">
               <a:rPr lang="en-US" dirty="0"/>
               <a:pPr/>
-              <a:t>5/31/2021</a:t>
+              <a:t>6/1/21</a:t>
             </a:fld>
             <a:endParaRPr lang="en-US" dirty="0"/>
           </a:p>
@@ -3297,7 +3299,7 @@
             <a:fld id="{87DE6118-2437-4B30-8E3C-4D2BE6020583}" type="datetimeFigureOut">
               <a:rPr lang="en-US" dirty="0"/>
               <a:pPr/>
-              <a:t>5/31/2021</a:t>
+              <a:t>6/1/21</a:t>
             </a:fld>
             <a:endParaRPr lang="en-US" dirty="0"/>
           </a:p>
@@ -3913,6 +3915,248 @@
           <p:cNvPr id="2" name="Title 1">
             <a:extLst>
               <a:ext uri="{FF2B5EF4-FFF2-40B4-BE49-F238E27FC236}">
+                <a16:creationId xmlns:a16="http://schemas.microsoft.com/office/drawing/2014/main" id="{03E957E3-1FF2-484D-A609-F0E2CC5B0F52}"/>
+              </a:ext>
+            </a:extLst>
+          </p:cNvPr>
+          <p:cNvSpPr>
+            <a:spLocks noGrp="1"/>
+          </p:cNvSpPr>
+          <p:nvPr>
+            <p:ph type="title"/>
+          </p:nvPr>
+        </p:nvSpPr>
+        <p:spPr/>
+        <p:txBody>
+          <a:bodyPr/>
+          <a:lstStyle/>
+          <a:p>
+            <a:r>
+              <a:rPr lang="en-US" dirty="0"/>
+              <a:t>Integration Testing </a:t>
+            </a:r>
+          </a:p>
+        </p:txBody>
+      </p:sp>
+      <p:sp>
+        <p:nvSpPr>
+          <p:cNvPr id="3" name="Content Placeholder 2">
+            <a:extLst>
+              <a:ext uri="{FF2B5EF4-FFF2-40B4-BE49-F238E27FC236}">
+                <a16:creationId xmlns:a16="http://schemas.microsoft.com/office/drawing/2014/main" id="{803C0042-8A55-D84F-8FE5-5669411BB597}"/>
+              </a:ext>
+            </a:extLst>
+          </p:cNvPr>
+          <p:cNvSpPr>
+            <a:spLocks noGrp="1"/>
+          </p:cNvSpPr>
+          <p:nvPr>
+            <p:ph idx="1"/>
+          </p:nvPr>
+        </p:nvSpPr>
+        <p:spPr/>
+        <p:txBody>
+          <a:bodyPr>
+            <a:normAutofit/>
+          </a:bodyPr>
+          <a:lstStyle/>
+          <a:p>
+            <a:r>
+              <a:rPr lang="en-US" dirty="0"/>
+              <a:t>Testing to ensure that all modules work together:</a:t>
+            </a:r>
+          </a:p>
+          <a:p>
+            <a:r>
+              <a:rPr lang="en-US" dirty="0"/>
+              <a:t>Place the </a:t>
+            </a:r>
+            <a:r>
+              <a:rPr lang="en-US" dirty="0" err="1"/>
+              <a:t>scanRoom</a:t>
+            </a:r>
+            <a:r>
+              <a:rPr lang="en-US" dirty="0"/>
+              <a:t>() function into the main program and run to check that it continues to operate correctly. </a:t>
+            </a:r>
+          </a:p>
+          <a:p>
+            <a:r>
+              <a:rPr lang="en-US" dirty="0"/>
+              <a:t>Integrate the </a:t>
+            </a:r>
+            <a:r>
+              <a:rPr lang="en-US" dirty="0" err="1"/>
+              <a:t>checkOrientation</a:t>
+            </a:r>
+            <a:r>
+              <a:rPr lang="en-US" dirty="0"/>
+              <a:t>() function and call inside the </a:t>
+            </a:r>
+            <a:r>
+              <a:rPr lang="en-US" dirty="0" err="1"/>
+              <a:t>scanRoom</a:t>
+            </a:r>
+            <a:r>
+              <a:rPr lang="en-US" dirty="0"/>
+              <a:t> loop. Repeat test to ensure calculations are unaffected. </a:t>
+            </a:r>
+          </a:p>
+          <a:p>
+            <a:r>
+              <a:rPr lang="en-US" dirty="0"/>
+              <a:t>Integrate serialization module then run with a serial input from SCI1, observe in the terminal that the correct values and format are sent to the terminal via serial. </a:t>
+            </a:r>
+          </a:p>
+          <a:p>
+            <a:r>
+              <a:rPr lang="en-US" dirty="0"/>
+              <a:t>Integrate python module, ensure that no connectivity issues arise, input values are formatted and an image continues to be produced. </a:t>
+            </a:r>
+          </a:p>
+          <a:p>
+            <a:pPr marL="0" indent="0">
+              <a:buNone/>
+            </a:pPr>
+            <a:endParaRPr lang="en-US" dirty="0"/>
+          </a:p>
+        </p:txBody>
+      </p:sp>
+    </p:spTree>
+    <p:extLst>
+      <p:ext uri="{BB962C8B-B14F-4D97-AF65-F5344CB8AC3E}">
+        <p14:creationId xmlns:p14="http://schemas.microsoft.com/office/powerpoint/2010/main" val="2599462523"/>
+      </p:ext>
+    </p:extLst>
+  </p:cSld>
+  <p:clrMapOvr>
+    <a:masterClrMapping/>
+  </p:clrMapOvr>
+</p:sld>
+</file>
+
+<file path=ppt/slides/slide11.xml><?xml version="1.0" encoding="utf-8"?>
+<p:sld xmlns:a="http://schemas.openxmlformats.org/drawingml/2006/main" xmlns:r="http://schemas.openxmlformats.org/officeDocument/2006/relationships" xmlns:p="http://schemas.openxmlformats.org/presentationml/2006/main">
+  <p:cSld>
+    <p:spTree>
+      <p:nvGrpSpPr>
+        <p:cNvPr id="1" name=""/>
+        <p:cNvGrpSpPr/>
+        <p:nvPr/>
+      </p:nvGrpSpPr>
+      <p:grpSpPr>
+        <a:xfrm>
+          <a:off x="0" y="0"/>
+          <a:ext cx="0" cy="0"/>
+          <a:chOff x="0" y="0"/>
+          <a:chExt cx="0" cy="0"/>
+        </a:xfrm>
+      </p:grpSpPr>
+      <p:sp>
+        <p:nvSpPr>
+          <p:cNvPr id="2" name="Title 1">
+            <a:extLst>
+              <a:ext uri="{FF2B5EF4-FFF2-40B4-BE49-F238E27FC236}">
+                <a16:creationId xmlns:a16="http://schemas.microsoft.com/office/drawing/2014/main" id="{14407B4D-083F-5749-8891-447FBB43C3C7}"/>
+              </a:ext>
+            </a:extLst>
+          </p:cNvPr>
+          <p:cNvSpPr>
+            <a:spLocks noGrp="1"/>
+          </p:cNvSpPr>
+          <p:nvPr>
+            <p:ph type="title"/>
+          </p:nvPr>
+        </p:nvSpPr>
+        <p:spPr/>
+        <p:txBody>
+          <a:bodyPr/>
+          <a:lstStyle/>
+          <a:p>
+            <a:r>
+              <a:rPr lang="en-US" dirty="0"/>
+              <a:t>System Testing </a:t>
+            </a:r>
+          </a:p>
+        </p:txBody>
+      </p:sp>
+      <p:sp>
+        <p:nvSpPr>
+          <p:cNvPr id="3" name="Content Placeholder 2">
+            <a:extLst>
+              <a:ext uri="{FF2B5EF4-FFF2-40B4-BE49-F238E27FC236}">
+                <a16:creationId xmlns:a16="http://schemas.microsoft.com/office/drawing/2014/main" id="{0C1318AA-E7D7-7B43-971A-D66B7EA90CB9}"/>
+              </a:ext>
+            </a:extLst>
+          </p:cNvPr>
+          <p:cNvSpPr>
+            <a:spLocks noGrp="1"/>
+          </p:cNvSpPr>
+          <p:nvPr>
+            <p:ph idx="1"/>
+          </p:nvPr>
+        </p:nvSpPr>
+        <p:spPr/>
+        <p:txBody>
+          <a:bodyPr/>
+          <a:lstStyle/>
+          <a:p>
+            <a:r>
+              <a:rPr lang="en-US" dirty="0"/>
+              <a:t>After integration and confirmation that all modules work together, simulate the entire system by first running the python code to begin waiting on a serial input then running </a:t>
+            </a:r>
+            <a:r>
+              <a:rPr lang="en-US"/>
+              <a:t>the CodeWarrior </a:t>
+            </a:r>
+            <a:r>
+              <a:rPr lang="en-US" dirty="0"/>
+              <a:t>program. </a:t>
+            </a:r>
+          </a:p>
+          <a:p>
+            <a:r>
+              <a:rPr lang="en-US" dirty="0"/>
+              <a:t>A complete scan should be executed with an image of the room produced inside python. </a:t>
+            </a:r>
+          </a:p>
+        </p:txBody>
+      </p:sp>
+    </p:spTree>
+    <p:extLst>
+      <p:ext uri="{BB962C8B-B14F-4D97-AF65-F5344CB8AC3E}">
+        <p14:creationId xmlns:p14="http://schemas.microsoft.com/office/powerpoint/2010/main" val="3277989281"/>
+      </p:ext>
+    </p:extLst>
+  </p:cSld>
+  <p:clrMapOvr>
+    <a:masterClrMapping/>
+  </p:clrMapOvr>
+</p:sld>
+</file>
+
+<file path=ppt/slides/slide12.xml><?xml version="1.0" encoding="utf-8"?>
+<p:sld xmlns:a="http://schemas.openxmlformats.org/drawingml/2006/main" xmlns:r="http://schemas.openxmlformats.org/officeDocument/2006/relationships" xmlns:p="http://schemas.openxmlformats.org/presentationml/2006/main">
+  <p:cSld>
+    <p:spTree>
+      <p:nvGrpSpPr>
+        <p:cNvPr id="1" name=""/>
+        <p:cNvGrpSpPr/>
+        <p:nvPr/>
+      </p:nvGrpSpPr>
+      <p:grpSpPr>
+        <a:xfrm>
+          <a:off x="0" y="0"/>
+          <a:ext cx="0" cy="0"/>
+          <a:chOff x="0" y="0"/>
+          <a:chExt cx="0" cy="0"/>
+        </a:xfrm>
+      </p:grpSpPr>
+      <p:sp>
+        <p:nvSpPr>
+          <p:cNvPr id="2" name="Title 1">
+            <a:extLst>
+              <a:ext uri="{FF2B5EF4-FFF2-40B4-BE49-F238E27FC236}">
                 <a16:creationId xmlns:a16="http://schemas.microsoft.com/office/drawing/2014/main" id="{388D6374-3973-A045-B1BB-59BBBFA998A4}"/>
               </a:ext>
             </a:extLst>
@@ -5351,7 +5595,7 @@
           <a:p>
             <a:r>
               <a:rPr lang="en-US" dirty="0"/>
-              <a:t>Overview of Testing Procedures</a:t>
+              <a:t>Testing Procedures: Modular Testing </a:t>
             </a:r>
           </a:p>
         </p:txBody>
@@ -5372,12 +5616,69 @@
             <p:ph idx="1"/>
           </p:nvPr>
         </p:nvSpPr>
-        <p:spPr/>
-        <p:txBody>
-          <a:bodyPr/>
+        <p:spPr>
+          <a:xfrm>
+            <a:off x="1371600" y="1650124"/>
+            <a:ext cx="9601200" cy="4217276"/>
+          </a:xfrm>
+        </p:spPr>
+        <p:txBody>
+          <a:bodyPr>
+            <a:normAutofit fontScale="92500" lnSpcReduction="10000"/>
+          </a:bodyPr>
           <a:lstStyle/>
           <a:p>
-            <a:endParaRPr lang="en-US" dirty="0"/>
+            <a:pPr marL="0" indent="0">
+              <a:buNone/>
+            </a:pPr>
+            <a:r>
+              <a:rPr lang="en-US" dirty="0"/>
+              <a:t>LiDAR Scanner: Testing of LiDAR checks that it can measure accurately and provide consistent values on a loop. To test this module, place a black sheet a known distance away from the LiDAR and run the function </a:t>
+            </a:r>
+            <a:r>
+              <a:rPr lang="en-US" dirty="0" err="1"/>
+              <a:t>testLidar</a:t>
+            </a:r>
+            <a:r>
+              <a:rPr lang="en-US" dirty="0"/>
+              <a:t>(); inside a loop. Check in memory that the correct value is returned for several iterations. </a:t>
+            </a:r>
+          </a:p>
+          <a:p>
+            <a:pPr marL="0" indent="0">
+              <a:buNone/>
+            </a:pPr>
+            <a:r>
+              <a:rPr lang="en-US" dirty="0"/>
+              <a:t>Servomotors: Testing of servomotors ensures accurate positioning is achieved when a value is provided. This is tested by running the servomotor functions with a known angle input and checking that the angle is replicated in the PTU. </a:t>
+            </a:r>
+          </a:p>
+          <a:p>
+            <a:pPr marL="0" indent="0">
+              <a:buNone/>
+            </a:pPr>
+            <a:r>
+              <a:rPr lang="en-US" dirty="0"/>
+              <a:t>Orientation: Accelerometer is tested by running the error functions provided by the IIC. </a:t>
+            </a:r>
+          </a:p>
+          <a:p>
+            <a:pPr marL="0" indent="0">
+              <a:buNone/>
+            </a:pPr>
+            <a:r>
+              <a:rPr lang="en-US" dirty="0"/>
+              <a:t>Serialization: Testing of serialization process requires inputting an array of values into the serialization module and checking they are returned correctly in the serial window of SCI1. </a:t>
+            </a:r>
+          </a:p>
+          <a:p>
+            <a:pPr marL="0" indent="0">
+              <a:buNone/>
+            </a:pPr>
+            <a:r>
+              <a:rPr lang="en-US" dirty="0"/>
+              <a:t>Python Output: This is tested by initializing a random matrix of values that are read by the python code and checking that an image can be produced. The python serial is tested by sending a series of values to the serial port and checking that they are printed in the python shell. </a:t>
+            </a:r>
           </a:p>
         </p:txBody>
       </p:sp>
